--- a/215-ppii/215-assets/ppt-ppii-dss-v1.pptx
+++ b/215-ppii/215-assets/ppt-ppii-dss-v1.pptx
@@ -3259,7 +3259,7 @@
                 <a:ea typeface="Open Sans"/>
                 <a:cs typeface="Open Sans"/>
               </a:rPr>
-              <a:t>Sistemas de Soporte a las Decisiones (SSD)</a:t>
+              <a:t>Sistemas de Soporte a las Decisiones (DSS)</a:t>
             </a:r>
             <a:endParaRPr>
               <a:latin typeface="Open Sans"/>
@@ -3635,7 +3635,7 @@
         </p:nvPicPr>
         <p:blipFill>
           <a:blip r:embed="rId2"/>
-          <a:srcRect l="4974" t="38515" r="6581" b="7850"/>
+          <a:srcRect l="4974" t="38515" r="6581" b="7849"/>
           <a:stretch/>
         </p:blipFill>
         <p:spPr bwMode="auto">
@@ -3656,8 +3656,8 @@
         </p:nvSpPr>
         <p:spPr bwMode="auto">
           <a:xfrm flipH="0" flipV="0">
-            <a:off x="1748736" y="6223615"/>
-            <a:ext cx="9657309" cy="304835"/>
+            <a:off x="1748736" y="6223614"/>
+            <a:ext cx="9657344" cy="304835"/>
           </a:xfrm>
           <a:prstGeom prst="rect">
             <a:avLst/>
@@ -3681,7 +3681,7 @@
                 <a:ea typeface="Open Sans Condensed"/>
                 <a:cs typeface="Open Sans Condensed"/>
               </a:rPr>
-              <a:t>Artículo de Wikipedia Sistema de Soporte a Decisiones: https://es.wikipedia.org/wiki/Sistemas_de_soporte_a_decisiones#</a:t>
+              <a:t>*Artículo de Wikipedia Sistema de Soporte a Decisiones: https://es.wikipedia.org/wiki/Sistemas_de_soporte_a_decisiones#</a:t>
             </a:r>
             <a:r>
               <a:rPr lang="en-US" sz="1400" b="0" i="0" u="none" strike="noStrike" cap="none" spc="0">
@@ -3824,8 +3824,8 @@
         </p:nvSpPr>
         <p:spPr bwMode="auto">
           <a:xfrm flipH="0" flipV="0">
-            <a:off x="1748736" y="6223615"/>
-            <a:ext cx="9654681" cy="304835"/>
+            <a:off x="1748736" y="6223614"/>
+            <a:ext cx="9655580" cy="304835"/>
           </a:xfrm>
           <a:prstGeom prst="rect">
             <a:avLst/>
@@ -3849,7 +3849,7 @@
                 <a:ea typeface="Open Sans Condensed"/>
                 <a:cs typeface="Open Sans Condensed"/>
               </a:rPr>
-              <a:t>Sprague, R. H. and E. D. Carlson (1982). Building effective decision support systems. Englewood Cliffs, N.J., Prentice-Hall.</a:t>
+              <a:t>*Sprague, R. H. and E. D. Carlson (1982). Building effective decision support systems. Englewood Cliffs, N.J., Prentice-Hall.</a:t>
             </a:r>
             <a:endParaRPr sz="1400">
               <a:latin typeface="Open Sans Condensed"/>
@@ -4243,13 +4243,13 @@
         </p:nvSpPr>
         <p:spPr bwMode="auto">
           <a:xfrm flipH="0" flipV="0">
-            <a:off x="1523999" y="2191673"/>
-            <a:ext cx="9144000" cy="776795"/>
+            <a:off x="1410887" y="2191672"/>
+            <a:ext cx="9756321" cy="776794"/>
           </a:xfrm>
         </p:spPr>
         <p:txBody>
           <a:bodyPr vertOverflow="overflow" horzOverflow="clip" vert="horz" wrap="square" lIns="91440" tIns="45720" rIns="91440" bIns="45720" numCol="1" spcCol="0" rtlCol="0" fromWordArt="0" anchor="t" anchorCtr="0" forceAA="0" upright="0" compatLnSpc="0">
-            <a:normAutofit fontScale="90000" lnSpcReduction="2000"/>
+            <a:normAutofit/>
           </a:bodyPr>
           <a:lstStyle/>
           <a:p>
@@ -4257,7 +4257,7 @@
               <a:defRPr/>
             </a:pPr>
             <a:r>
-              <a:rPr lang="en-US" sz="2000" b="0" i="0" u="none" strike="noStrike" cap="none" spc="0">
+              <a:rPr lang="en-US" sz="2200" b="0" i="0" u="none" strike="noStrike" cap="none" spc="0">
                 <a:solidFill>
                   <a:schemeClr val="tx1"/>
                 </a:solidFill>
@@ -4268,14 +4268,14 @@
               <a:t>En este tipo de sistemas la toma de decisión finalmente es humana y el DSS debe hacer más fácil ese proceso.</a:t>
             </a:r>
             <a:r>
-              <a:rPr sz="2000">
+              <a:rPr sz="2200">
                 <a:latin typeface="Open Sans"/>
                 <a:ea typeface="Open Sans"/>
                 <a:cs typeface="Open Sans"/>
               </a:rPr>
-              <a:t> Reflexiones al respecto.</a:t>
-            </a:r>
-            <a:endParaRPr sz="2000">
+              <a:t> Reflexiones al respecto*.</a:t>
+            </a:r>
+            <a:endParaRPr sz="2200">
               <a:latin typeface="Open Sans"/>
               <a:ea typeface="Open Sans"/>
               <a:cs typeface="Open Sans"/>
@@ -4330,6 +4330,71 @@
           </a:prstGeom>
         </p:spPr>
       </p:pic>
+      <p:sp>
+        <p:nvSpPr>
+          <p:cNvPr id="55822441" name="" hidden="0"/>
+          <p:cNvSpPr txBox="1"/>
+          <p:nvPr isPhoto="0" userDrawn="0"/>
+        </p:nvSpPr>
+        <p:spPr bwMode="auto">
+          <a:xfrm flipH="0" flipV="0">
+            <a:off x="1748736" y="6223614"/>
+            <a:ext cx="9655831" cy="518195"/>
+          </a:xfrm>
+          <a:prstGeom prst="rect">
+            <a:avLst/>
+          </a:prstGeom>
+          <a:noFill/>
+        </p:spPr>
+        <p:txBody>
+          <a:bodyPr vertOverflow="overflow" horzOverflow="clip" vert="horz" wrap="square" lIns="91440" tIns="45720" rIns="91440" bIns="45720" numCol="1" spcCol="0" rtlCol="0" fromWordArt="0" anchor="t" anchorCtr="0" forceAA="0" upright="0" compatLnSpc="0">
+            <a:spAutoFit/>
+          </a:bodyPr>
+          <a:p>
+            <a:pPr>
+              <a:defRPr/>
+            </a:pPr>
+            <a:r>
+              <a:rPr lang="en-US" sz="1400" b="0" i="0" u="none" strike="noStrike" cap="none" spc="0">
+                <a:solidFill>
+                  <a:schemeClr val="tx1"/>
+                </a:solidFill>
+                <a:latin typeface="Open Sans Condensed"/>
+                <a:ea typeface="Open Sans Condensed"/>
+                <a:cs typeface="Open Sans Condensed"/>
+              </a:rPr>
+              <a:t>*</a:t>
+            </a:r>
+            <a:r>
+              <a:rPr lang="en-US" sz="1400" b="0" i="0" u="none" strike="noStrike" cap="none" spc="0">
+                <a:solidFill>
+                  <a:schemeClr val="tx1"/>
+                </a:solidFill>
+                <a:latin typeface="Open Sans Condensed"/>
+                <a:ea typeface="Open Sans Condensed"/>
+                <a:cs typeface="Open Sans Condensed"/>
+              </a:rPr>
+              <a:t>Una empresa nombró como CEO a una IA y funcionó mejor de lo que esperaba - </a:t>
+            </a:r>
+            <a:r>
+              <a:rPr lang="en-US" sz="1400" b="0" i="0" u="none" strike="noStrike" cap="none" spc="0">
+                <a:solidFill>
+                  <a:schemeClr val="tx1"/>
+                </a:solidFill>
+                <a:latin typeface="Open Sans Condensed"/>
+                <a:ea typeface="Open Sans Condensed"/>
+                <a:cs typeface="Open Sans Condensed"/>
+              </a:rPr>
+              <a:t>https://hipertextual.com/2023/03/ia-reemplaza-humano-ceo-empresa-china</a:t>
+            </a:r>
+            <a:endParaRPr sz="1400">
+              <a:latin typeface="Open Sans Condensed"/>
+              <a:ea typeface="Open Sans Condensed"/>
+              <a:cs typeface="Open Sans Condensed"/>
+            </a:endParaRPr>
+          </a:p>
+        </p:txBody>
+      </p:sp>
     </p:spTree>
   </p:cSld>
   <p:clrMapOvr>
